--- a/documentation/high-avail/slides/DASH High Availability.pptx
+++ b/documentation/high-avail/slides/DASH High Availability.pptx
@@ -12,6 +12,11 @@
     <p:sldId id="261" r:id="rId6"/>
     <p:sldId id="264" r:id="rId7"/>
     <p:sldId id="262" r:id="rId8"/>
+    <p:sldId id="267" r:id="rId9"/>
+    <p:sldId id="273" r:id="rId10"/>
+    <p:sldId id="268" r:id="rId11"/>
+    <p:sldId id="266" r:id="rId12"/>
+    <p:sldId id="271" r:id="rId13"/>
   </p:sldIdLst>
   <p:sldSz cx="12192000" cy="6858000"/>
   <p:notesSz cx="6858000" cy="9144000"/>
@@ -118,8 +123,224 @@
 </p:presentation>
 </file>
 
+<file path=ppt/revisionInfo.xml><?xml version="1.0" encoding="utf-8"?>
+<p1510:revInfo xmlns:a="http://schemas.openxmlformats.org/drawingml/2006/main" xmlns:r="http://schemas.openxmlformats.org/officeDocument/2006/relationships" xmlns:p1510="http://schemas.microsoft.com/office/powerpoint/2015/10/main">
+  <p1510:revLst>
+    <p1510:client id="{B3EE51EF-C643-42AF-962E-E080295C7080}" v="16" dt="2022-06-14T15:15:14.074"/>
+  </p1510:revLst>
+</p1510:revInfo>
+</file>
+
 <file path=ppt/changesInfos/changesInfo1.xml><?xml version="1.0" encoding="utf-8"?>
 <pc:chgInfo xmlns:a="http://schemas.openxmlformats.org/drawingml/2006/main" xmlns:r="http://schemas.openxmlformats.org/officeDocument/2006/relationships" xmlns:ac="http://schemas.microsoft.com/office/drawing/2013/main/command" xmlns:pc="http://schemas.microsoft.com/office/powerpoint/2013/main/command">
+  <pc:docChgLst>
+    <pc:chgData name="Marian Pritsak" userId="40e2dc3b-422e-4c2a-8997-0082679486eb" providerId="ADAL" clId="{B3EE51EF-C643-42AF-962E-E080295C7080}"/>
+    <pc:docChg chg="undo custSel addSld delSld modSld sldOrd">
+      <pc:chgData name="Marian Pritsak" userId="40e2dc3b-422e-4c2a-8997-0082679486eb" providerId="ADAL" clId="{B3EE51EF-C643-42AF-962E-E080295C7080}" dt="2022-06-14T16:22:10.816" v="2290" actId="20577"/>
+      <pc:docMkLst>
+        <pc:docMk/>
+      </pc:docMkLst>
+      <pc:sldChg chg="modSp mod">
+        <pc:chgData name="Marian Pritsak" userId="40e2dc3b-422e-4c2a-8997-0082679486eb" providerId="ADAL" clId="{B3EE51EF-C643-42AF-962E-E080295C7080}" dt="2022-06-07T15:28:42.206" v="654" actId="20577"/>
+        <pc:sldMkLst>
+          <pc:docMk/>
+          <pc:sldMk cId="1121103202" sldId="262"/>
+        </pc:sldMkLst>
+        <pc:spChg chg="mod">
+          <ac:chgData name="Marian Pritsak" userId="40e2dc3b-422e-4c2a-8997-0082679486eb" providerId="ADAL" clId="{B3EE51EF-C643-42AF-962E-E080295C7080}" dt="2022-06-07T15:28:42.206" v="654" actId="20577"/>
+          <ac:spMkLst>
+            <pc:docMk/>
+            <pc:sldMk cId="1121103202" sldId="262"/>
+            <ac:spMk id="2" creationId="{3A355324-5462-47D7-B18D-7CDEFAB49546}"/>
+          </ac:spMkLst>
+        </pc:spChg>
+        <pc:spChg chg="mod">
+          <ac:chgData name="Marian Pritsak" userId="40e2dc3b-422e-4c2a-8997-0082679486eb" providerId="ADAL" clId="{B3EE51EF-C643-42AF-962E-E080295C7080}" dt="2022-06-07T15:11:12.530" v="133" actId="20577"/>
+          <ac:spMkLst>
+            <pc:docMk/>
+            <pc:sldMk cId="1121103202" sldId="262"/>
+            <ac:spMk id="3" creationId="{DB5BE222-3CC1-4310-9B10-3C638F1969EA}"/>
+          </ac:spMkLst>
+        </pc:spChg>
+      </pc:sldChg>
+      <pc:sldChg chg="modSp add mod">
+        <pc:chgData name="Marian Pritsak" userId="40e2dc3b-422e-4c2a-8997-0082679486eb" providerId="ADAL" clId="{B3EE51EF-C643-42AF-962E-E080295C7080}" dt="2022-06-14T00:23:20.773" v="1936" actId="20577"/>
+        <pc:sldMkLst>
+          <pc:docMk/>
+          <pc:sldMk cId="3881826049" sldId="266"/>
+        </pc:sldMkLst>
+        <pc:spChg chg="mod">
+          <ac:chgData name="Marian Pritsak" userId="40e2dc3b-422e-4c2a-8997-0082679486eb" providerId="ADAL" clId="{B3EE51EF-C643-42AF-962E-E080295C7080}" dt="2022-06-14T00:22:19.810" v="1857"/>
+          <ac:spMkLst>
+            <pc:docMk/>
+            <pc:sldMk cId="3881826049" sldId="266"/>
+            <ac:spMk id="2" creationId="{3A355324-5462-47D7-B18D-7CDEFAB49546}"/>
+          </ac:spMkLst>
+        </pc:spChg>
+        <pc:spChg chg="mod">
+          <ac:chgData name="Marian Pritsak" userId="40e2dc3b-422e-4c2a-8997-0082679486eb" providerId="ADAL" clId="{B3EE51EF-C643-42AF-962E-E080295C7080}" dt="2022-06-14T00:23:20.773" v="1936" actId="20577"/>
+          <ac:spMkLst>
+            <pc:docMk/>
+            <pc:sldMk cId="3881826049" sldId="266"/>
+            <ac:spMk id="3" creationId="{DB5BE222-3CC1-4310-9B10-3C638F1969EA}"/>
+          </ac:spMkLst>
+        </pc:spChg>
+      </pc:sldChg>
+      <pc:sldChg chg="modSp add mod">
+        <pc:chgData name="Marian Pritsak" userId="40e2dc3b-422e-4c2a-8997-0082679486eb" providerId="ADAL" clId="{B3EE51EF-C643-42AF-962E-E080295C7080}" dt="2022-06-13T23:52:59.945" v="714" actId="20577"/>
+        <pc:sldMkLst>
+          <pc:docMk/>
+          <pc:sldMk cId="3155349794" sldId="267"/>
+        </pc:sldMkLst>
+        <pc:spChg chg="mod">
+          <ac:chgData name="Marian Pritsak" userId="40e2dc3b-422e-4c2a-8997-0082679486eb" providerId="ADAL" clId="{B3EE51EF-C643-42AF-962E-E080295C7080}" dt="2022-06-13T23:52:56.503" v="713" actId="20577"/>
+          <ac:spMkLst>
+            <pc:docMk/>
+            <pc:sldMk cId="3155349794" sldId="267"/>
+            <ac:spMk id="2" creationId="{24FD8DA7-B1F2-4E56-BA1C-96694031985C}"/>
+          </ac:spMkLst>
+        </pc:spChg>
+        <pc:spChg chg="mod">
+          <ac:chgData name="Marian Pritsak" userId="40e2dc3b-422e-4c2a-8997-0082679486eb" providerId="ADAL" clId="{B3EE51EF-C643-42AF-962E-E080295C7080}" dt="2022-06-13T23:52:59.945" v="714" actId="20577"/>
+          <ac:spMkLst>
+            <pc:docMk/>
+            <pc:sldMk cId="3155349794" sldId="267"/>
+            <ac:spMk id="3" creationId="{E3B55584-1BCE-4E54-B22D-13EBC5C906A7}"/>
+          </ac:spMkLst>
+        </pc:spChg>
+      </pc:sldChg>
+      <pc:sldChg chg="modSp add mod">
+        <pc:chgData name="Marian Pritsak" userId="40e2dc3b-422e-4c2a-8997-0082679486eb" providerId="ADAL" clId="{B3EE51EF-C643-42AF-962E-E080295C7080}" dt="2022-06-14T16:22:10.816" v="2290" actId="20577"/>
+        <pc:sldMkLst>
+          <pc:docMk/>
+          <pc:sldMk cId="2028138837" sldId="268"/>
+        </pc:sldMkLst>
+        <pc:spChg chg="mod">
+          <ac:chgData name="Marian Pritsak" userId="40e2dc3b-422e-4c2a-8997-0082679486eb" providerId="ADAL" clId="{B3EE51EF-C643-42AF-962E-E080295C7080}" dt="2022-06-14T15:45:21.940" v="2204" actId="20577"/>
+          <ac:spMkLst>
+            <pc:docMk/>
+            <pc:sldMk cId="2028138837" sldId="268"/>
+            <ac:spMk id="2" creationId="{3A355324-5462-47D7-B18D-7CDEFAB49546}"/>
+          </ac:spMkLst>
+        </pc:spChg>
+        <pc:spChg chg="mod">
+          <ac:chgData name="Marian Pritsak" userId="40e2dc3b-422e-4c2a-8997-0082679486eb" providerId="ADAL" clId="{B3EE51EF-C643-42AF-962E-E080295C7080}" dt="2022-06-14T16:22:10.816" v="2290" actId="20577"/>
+          <ac:spMkLst>
+            <pc:docMk/>
+            <pc:sldMk cId="2028138837" sldId="268"/>
+            <ac:spMk id="3" creationId="{DB5BE222-3CC1-4310-9B10-3C638F1969EA}"/>
+          </ac:spMkLst>
+        </pc:spChg>
+      </pc:sldChg>
+      <pc:sldChg chg="modSp add del mod">
+        <pc:chgData name="Marian Pritsak" userId="40e2dc3b-422e-4c2a-8997-0082679486eb" providerId="ADAL" clId="{B3EE51EF-C643-42AF-962E-E080295C7080}" dt="2022-06-14T00:22:08.817" v="1853" actId="47"/>
+        <pc:sldMkLst>
+          <pc:docMk/>
+          <pc:sldMk cId="1412527415" sldId="269"/>
+        </pc:sldMkLst>
+        <pc:spChg chg="mod">
+          <ac:chgData name="Marian Pritsak" userId="40e2dc3b-422e-4c2a-8997-0082679486eb" providerId="ADAL" clId="{B3EE51EF-C643-42AF-962E-E080295C7080}" dt="2022-06-14T00:05:08.737" v="1374" actId="27636"/>
+          <ac:spMkLst>
+            <pc:docMk/>
+            <pc:sldMk cId="1412527415" sldId="269"/>
+            <ac:spMk id="3" creationId="{DB5BE222-3CC1-4310-9B10-3C638F1969EA}"/>
+          </ac:spMkLst>
+        </pc:spChg>
+      </pc:sldChg>
+      <pc:sldChg chg="modSp add del mod">
+        <pc:chgData name="Marian Pritsak" userId="40e2dc3b-422e-4c2a-8997-0082679486eb" providerId="ADAL" clId="{B3EE51EF-C643-42AF-962E-E080295C7080}" dt="2022-06-14T00:23:06.801" v="1928" actId="47"/>
+        <pc:sldMkLst>
+          <pc:docMk/>
+          <pc:sldMk cId="3557522827" sldId="270"/>
+        </pc:sldMkLst>
+        <pc:spChg chg="mod">
+          <ac:chgData name="Marian Pritsak" userId="40e2dc3b-422e-4c2a-8997-0082679486eb" providerId="ADAL" clId="{B3EE51EF-C643-42AF-962E-E080295C7080}" dt="2022-06-14T00:07:59.389" v="1388" actId="20577"/>
+          <ac:spMkLst>
+            <pc:docMk/>
+            <pc:sldMk cId="3557522827" sldId="270"/>
+            <ac:spMk id="2" creationId="{3A355324-5462-47D7-B18D-7CDEFAB49546}"/>
+          </ac:spMkLst>
+        </pc:spChg>
+      </pc:sldChg>
+      <pc:sldChg chg="modSp add mod">
+        <pc:chgData name="Marian Pritsak" userId="40e2dc3b-422e-4c2a-8997-0082679486eb" providerId="ADAL" clId="{B3EE51EF-C643-42AF-962E-E080295C7080}" dt="2022-06-14T00:23:43.656" v="1957" actId="14"/>
+        <pc:sldMkLst>
+          <pc:docMk/>
+          <pc:sldMk cId="1244788736" sldId="271"/>
+        </pc:sldMkLst>
+        <pc:spChg chg="mod">
+          <ac:chgData name="Marian Pritsak" userId="40e2dc3b-422e-4c2a-8997-0082679486eb" providerId="ADAL" clId="{B3EE51EF-C643-42AF-962E-E080295C7080}" dt="2022-06-14T00:23:37.370" v="1950" actId="20577"/>
+          <ac:spMkLst>
+            <pc:docMk/>
+            <pc:sldMk cId="1244788736" sldId="271"/>
+            <ac:spMk id="2" creationId="{3A355324-5462-47D7-B18D-7CDEFAB49546}"/>
+          </ac:spMkLst>
+        </pc:spChg>
+        <pc:spChg chg="mod">
+          <ac:chgData name="Marian Pritsak" userId="40e2dc3b-422e-4c2a-8997-0082679486eb" providerId="ADAL" clId="{B3EE51EF-C643-42AF-962E-E080295C7080}" dt="2022-06-14T00:23:43.656" v="1957" actId="14"/>
+          <ac:spMkLst>
+            <pc:docMk/>
+            <pc:sldMk cId="1244788736" sldId="271"/>
+            <ac:spMk id="3" creationId="{DB5BE222-3CC1-4310-9B10-3C638F1969EA}"/>
+          </ac:spMkLst>
+        </pc:spChg>
+      </pc:sldChg>
+      <pc:sldChg chg="addSp delSp modSp new del mod ord setBg">
+        <pc:chgData name="Marian Pritsak" userId="40e2dc3b-422e-4c2a-8997-0082679486eb" providerId="ADAL" clId="{B3EE51EF-C643-42AF-962E-E080295C7080}" dt="2022-06-14T15:55:06.509" v="2207" actId="47"/>
+        <pc:sldMkLst>
+          <pc:docMk/>
+          <pc:sldMk cId="754147977" sldId="272"/>
+        </pc:sldMkLst>
+        <pc:spChg chg="del">
+          <ac:chgData name="Marian Pritsak" userId="40e2dc3b-422e-4c2a-8997-0082679486eb" providerId="ADAL" clId="{B3EE51EF-C643-42AF-962E-E080295C7080}" dt="2022-06-14T00:32:17.107" v="1960" actId="26606"/>
+          <ac:spMkLst>
+            <pc:docMk/>
+            <pc:sldMk cId="754147977" sldId="272"/>
+            <ac:spMk id="2" creationId="{7AD81938-BF1A-4861-9693-469CDED7457D}"/>
+          </ac:spMkLst>
+        </pc:spChg>
+        <pc:spChg chg="del">
+          <ac:chgData name="Marian Pritsak" userId="40e2dc3b-422e-4c2a-8997-0082679486eb" providerId="ADAL" clId="{B3EE51EF-C643-42AF-962E-E080295C7080}" dt="2022-06-14T00:32:12.271" v="1959"/>
+          <ac:spMkLst>
+            <pc:docMk/>
+            <pc:sldMk cId="754147977" sldId="272"/>
+            <ac:spMk id="3" creationId="{F8F56E8E-2E19-427C-9FC0-C0B124B15BE2}"/>
+          </ac:spMkLst>
+        </pc:spChg>
+        <pc:picChg chg="add mod">
+          <ac:chgData name="Marian Pritsak" userId="40e2dc3b-422e-4c2a-8997-0082679486eb" providerId="ADAL" clId="{B3EE51EF-C643-42AF-962E-E080295C7080}" dt="2022-06-14T00:32:17.107" v="1960" actId="26606"/>
+          <ac:picMkLst>
+            <pc:docMk/>
+            <pc:sldMk cId="754147977" sldId="272"/>
+            <ac:picMk id="4" creationId="{92A97F01-4742-4DDC-A063-F6D7FE47653A}"/>
+          </ac:picMkLst>
+        </pc:picChg>
+      </pc:sldChg>
+      <pc:sldChg chg="modSp add mod">
+        <pc:chgData name="Marian Pritsak" userId="40e2dc3b-422e-4c2a-8997-0082679486eb" providerId="ADAL" clId="{B3EE51EF-C643-42AF-962E-E080295C7080}" dt="2022-06-14T15:58:55.336" v="2271" actId="20577"/>
+        <pc:sldMkLst>
+          <pc:docMk/>
+          <pc:sldMk cId="3125428323" sldId="273"/>
+        </pc:sldMkLst>
+        <pc:spChg chg="mod">
+          <ac:chgData name="Marian Pritsak" userId="40e2dc3b-422e-4c2a-8997-0082679486eb" providerId="ADAL" clId="{B3EE51EF-C643-42AF-962E-E080295C7080}" dt="2022-06-14T15:16:42.797" v="2125" actId="20577"/>
+          <ac:spMkLst>
+            <pc:docMk/>
+            <pc:sldMk cId="3125428323" sldId="273"/>
+            <ac:spMk id="2" creationId="{3A355324-5462-47D7-B18D-7CDEFAB49546}"/>
+          </ac:spMkLst>
+        </pc:spChg>
+        <pc:spChg chg="mod">
+          <ac:chgData name="Marian Pritsak" userId="40e2dc3b-422e-4c2a-8997-0082679486eb" providerId="ADAL" clId="{B3EE51EF-C643-42AF-962E-E080295C7080}" dt="2022-06-14T15:58:55.336" v="2271" actId="20577"/>
+          <ac:spMkLst>
+            <pc:docMk/>
+            <pc:sldMk cId="3125428323" sldId="273"/>
+            <ac:spMk id="3" creationId="{DB5BE222-3CC1-4310-9B10-3C638F1969EA}"/>
+          </ac:spMkLst>
+        </pc:spChg>
+      </pc:sldChg>
+    </pc:docChg>
+  </pc:docChgLst>
   <pc:docChgLst>
     <pc:chgData name="Marian Pritsak" userId="40e2dc3b-422e-4c2a-8997-0082679486eb" providerId="ADAL" clId="{D954D831-2B31-49F9-9CF8-4C3AA31AC3E5}"/>
     <pc:docChg chg="custSel delSld modSld">
@@ -360,7 +581,7 @@
           <a:p>
             <a:fld id="{B7E7B79E-B91D-409E-8429-5E9485525B7F}" type="datetimeFigureOut">
               <a:rPr lang="en-US" smtClean="0"/>
-              <a:t>5/3/2022</a:t>
+              <a:t>6/7/2022</a:t>
             </a:fld>
             <a:endParaRPr lang="en-US"/>
           </a:p>
@@ -558,7 +779,7 @@
           <a:p>
             <a:fld id="{B7E7B79E-B91D-409E-8429-5E9485525B7F}" type="datetimeFigureOut">
               <a:rPr lang="en-US" smtClean="0"/>
-              <a:t>5/3/2022</a:t>
+              <a:t>6/7/2022</a:t>
             </a:fld>
             <a:endParaRPr lang="en-US"/>
           </a:p>
@@ -766,7 +987,7 @@
           <a:p>
             <a:fld id="{B7E7B79E-B91D-409E-8429-5E9485525B7F}" type="datetimeFigureOut">
               <a:rPr lang="en-US" smtClean="0"/>
-              <a:t>5/3/2022</a:t>
+              <a:t>6/7/2022</a:t>
             </a:fld>
             <a:endParaRPr lang="en-US"/>
           </a:p>
@@ -964,7 +1185,7 @@
           <a:p>
             <a:fld id="{B7E7B79E-B91D-409E-8429-5E9485525B7F}" type="datetimeFigureOut">
               <a:rPr lang="en-US" smtClean="0"/>
-              <a:t>5/3/2022</a:t>
+              <a:t>6/7/2022</a:t>
             </a:fld>
             <a:endParaRPr lang="en-US"/>
           </a:p>
@@ -1239,7 +1460,7 @@
           <a:p>
             <a:fld id="{B7E7B79E-B91D-409E-8429-5E9485525B7F}" type="datetimeFigureOut">
               <a:rPr lang="en-US" smtClean="0"/>
-              <a:t>5/3/2022</a:t>
+              <a:t>6/7/2022</a:t>
             </a:fld>
             <a:endParaRPr lang="en-US"/>
           </a:p>
@@ -1504,7 +1725,7 @@
           <a:p>
             <a:fld id="{B7E7B79E-B91D-409E-8429-5E9485525B7F}" type="datetimeFigureOut">
               <a:rPr lang="en-US" smtClean="0"/>
-              <a:t>5/3/2022</a:t>
+              <a:t>6/7/2022</a:t>
             </a:fld>
             <a:endParaRPr lang="en-US"/>
           </a:p>
@@ -1916,7 +2137,7 @@
           <a:p>
             <a:fld id="{B7E7B79E-B91D-409E-8429-5E9485525B7F}" type="datetimeFigureOut">
               <a:rPr lang="en-US" smtClean="0"/>
-              <a:t>5/3/2022</a:t>
+              <a:t>6/7/2022</a:t>
             </a:fld>
             <a:endParaRPr lang="en-US"/>
           </a:p>
@@ -2057,7 +2278,7 @@
           <a:p>
             <a:fld id="{B7E7B79E-B91D-409E-8429-5E9485525B7F}" type="datetimeFigureOut">
               <a:rPr lang="en-US" smtClean="0"/>
-              <a:t>5/3/2022</a:t>
+              <a:t>6/7/2022</a:t>
             </a:fld>
             <a:endParaRPr lang="en-US"/>
           </a:p>
@@ -2170,7 +2391,7 @@
           <a:p>
             <a:fld id="{B7E7B79E-B91D-409E-8429-5E9485525B7F}" type="datetimeFigureOut">
               <a:rPr lang="en-US" smtClean="0"/>
-              <a:t>5/3/2022</a:t>
+              <a:t>6/7/2022</a:t>
             </a:fld>
             <a:endParaRPr lang="en-US"/>
           </a:p>
@@ -2481,7 +2702,7 @@
           <a:p>
             <a:fld id="{B7E7B79E-B91D-409E-8429-5E9485525B7F}" type="datetimeFigureOut">
               <a:rPr lang="en-US" smtClean="0"/>
-              <a:t>5/3/2022</a:t>
+              <a:t>6/7/2022</a:t>
             </a:fld>
             <a:endParaRPr lang="en-US"/>
           </a:p>
@@ -2769,7 +2990,7 @@
           <a:p>
             <a:fld id="{B7E7B79E-B91D-409E-8429-5E9485525B7F}" type="datetimeFigureOut">
               <a:rPr lang="en-US" smtClean="0"/>
-              <a:t>5/3/2022</a:t>
+              <a:t>6/7/2022</a:t>
             </a:fld>
             <a:endParaRPr lang="en-US"/>
           </a:p>
@@ -3010,7 +3231,7 @@
           <a:p>
             <a:fld id="{B7E7B79E-B91D-409E-8429-5E9485525B7F}" type="datetimeFigureOut">
               <a:rPr lang="en-US" smtClean="0"/>
-              <a:t>5/3/2022</a:t>
+              <a:t>6/7/2022</a:t>
             </a:fld>
             <a:endParaRPr lang="en-US"/>
           </a:p>
@@ -3496,6 +3717,535 @@
 </p:sld>
 </file>
 
+<file path=ppt/slides/slide10.xml><?xml version="1.0" encoding="utf-8"?>
+<p:sld xmlns:a="http://schemas.openxmlformats.org/drawingml/2006/main" xmlns:r="http://schemas.openxmlformats.org/officeDocument/2006/relationships" xmlns:p="http://schemas.openxmlformats.org/presentationml/2006/main">
+  <p:cSld>
+    <p:spTree>
+      <p:nvGrpSpPr>
+        <p:cNvPr id="1" name=""/>
+        <p:cNvGrpSpPr/>
+        <p:nvPr/>
+      </p:nvGrpSpPr>
+      <p:grpSpPr>
+        <a:xfrm>
+          <a:off x="0" y="0"/>
+          <a:ext cx="0" cy="0"/>
+          <a:chOff x="0" y="0"/>
+          <a:chExt cx="0" cy="0"/>
+        </a:xfrm>
+      </p:grpSpPr>
+      <p:sp>
+        <p:nvSpPr>
+          <p:cNvPr id="2" name="Title 1">
+            <a:extLst>
+              <a:ext uri="{FF2B5EF4-FFF2-40B4-BE49-F238E27FC236}">
+                <a16:creationId xmlns:a16="http://schemas.microsoft.com/office/drawing/2014/main" id="{3A355324-5462-47D7-B18D-7CDEFAB49546}"/>
+              </a:ext>
+            </a:extLst>
+          </p:cNvPr>
+          <p:cNvSpPr>
+            <a:spLocks noGrp="1"/>
+          </p:cNvSpPr>
+          <p:nvPr>
+            <p:ph type="title"/>
+          </p:nvPr>
+        </p:nvSpPr>
+        <p:spPr/>
+        <p:txBody>
+          <a:bodyPr/>
+          <a:lstStyle/>
+          <a:p>
+            <a:r>
+              <a:rPr lang="en-US" dirty="0"/>
+              <a:t>HA Peer Session</a:t>
+            </a:r>
+          </a:p>
+        </p:txBody>
+      </p:sp>
+      <p:sp>
+        <p:nvSpPr>
+          <p:cNvPr id="3" name="Content Placeholder 2">
+            <a:extLst>
+              <a:ext uri="{FF2B5EF4-FFF2-40B4-BE49-F238E27FC236}">
+                <a16:creationId xmlns:a16="http://schemas.microsoft.com/office/drawing/2014/main" id="{DB5BE222-3CC1-4310-9B10-3C638F1969EA}"/>
+              </a:ext>
+            </a:extLst>
+          </p:cNvPr>
+          <p:cNvSpPr>
+            <a:spLocks noGrp="1"/>
+          </p:cNvSpPr>
+          <p:nvPr>
+            <p:ph idx="1"/>
+          </p:nvPr>
+        </p:nvSpPr>
+        <p:spPr>
+          <a:xfrm>
+            <a:off x="838200" y="1367406"/>
+            <a:ext cx="10515600" cy="5243119"/>
+          </a:xfrm>
+        </p:spPr>
+        <p:txBody>
+          <a:bodyPr>
+            <a:normAutofit fontScale="55000" lnSpcReduction="20000"/>
+          </a:bodyPr>
+          <a:lstStyle/>
+          <a:p>
+            <a:r>
+              <a:rPr lang="en-US" b="1" dirty="0"/>
+              <a:t>IP Address </a:t>
+            </a:r>
+            <a:r>
+              <a:rPr lang="en-US" dirty="0"/>
+              <a:t>– peer IP address (not a shared VIP)</a:t>
+            </a:r>
+          </a:p>
+          <a:p>
+            <a:pPr lvl="1"/>
+            <a:r>
+              <a:rPr lang="en-US" dirty="0"/>
+              <a:t>Type – IP address</a:t>
+            </a:r>
+          </a:p>
+          <a:p>
+            <a:pPr lvl="1"/>
+            <a:r>
+              <a:rPr lang="en-US" dirty="0"/>
+              <a:t>Mandatory</a:t>
+            </a:r>
+          </a:p>
+          <a:p>
+            <a:r>
+              <a:rPr lang="en-US" b="1" dirty="0"/>
+              <a:t>Administrative state</a:t>
+            </a:r>
+          </a:p>
+          <a:p>
+            <a:pPr lvl="1"/>
+            <a:r>
+              <a:rPr lang="en-US" dirty="0"/>
+              <a:t>Type – </a:t>
+            </a:r>
+            <a:r>
+              <a:rPr lang="en-US" dirty="0" err="1"/>
+              <a:t>enum</a:t>
+            </a:r>
+            <a:r>
+              <a:rPr lang="en-US" dirty="0"/>
+              <a:t> {</a:t>
+            </a:r>
+            <a:r>
+              <a:rPr lang="en-US" dirty="0" err="1"/>
+              <a:t>down,up</a:t>
+            </a:r>
+            <a:r>
+              <a:rPr lang="en-US" dirty="0"/>
+              <a:t>}</a:t>
+            </a:r>
+          </a:p>
+          <a:p>
+            <a:pPr lvl="1"/>
+            <a:r>
+              <a:rPr lang="en-US" dirty="0"/>
+              <a:t>Mandatory</a:t>
+            </a:r>
+          </a:p>
+          <a:p>
+            <a:r>
+              <a:rPr lang="en-US" b="1" dirty="0"/>
+              <a:t>Role</a:t>
+            </a:r>
+          </a:p>
+          <a:p>
+            <a:pPr lvl="1"/>
+            <a:r>
+              <a:rPr lang="en-US" dirty="0"/>
+              <a:t>Type – </a:t>
+            </a:r>
+            <a:r>
+              <a:rPr lang="en-US" dirty="0" err="1"/>
+              <a:t>enum</a:t>
+            </a:r>
+            <a:r>
+              <a:rPr lang="en-US" dirty="0"/>
+              <a:t> {</a:t>
+            </a:r>
+            <a:r>
+              <a:rPr lang="en-US" dirty="0" err="1"/>
+              <a:t>active,backup</a:t>
+            </a:r>
+            <a:r>
+              <a:rPr lang="en-US" dirty="0"/>
+              <a:t>}</a:t>
+            </a:r>
+          </a:p>
+          <a:p>
+            <a:pPr lvl="1"/>
+            <a:r>
+              <a:rPr lang="en-US" dirty="0"/>
+              <a:t>Mandatory </a:t>
+            </a:r>
+          </a:p>
+          <a:p>
+            <a:r>
+              <a:rPr lang="en-US" b="1" dirty="0"/>
+              <a:t>ENI list </a:t>
+            </a:r>
+            <a:r>
+              <a:rPr lang="en-US" dirty="0"/>
+              <a:t>– ENI list to be synced with this session (For active role, connections belonging to these ENIs are sent to backup)</a:t>
+            </a:r>
+            <a:endParaRPr lang="en-US" b="1" dirty="0"/>
+          </a:p>
+          <a:p>
+            <a:pPr lvl="1"/>
+            <a:r>
+              <a:rPr lang="en-US" dirty="0"/>
+              <a:t>Type – list of ENI</a:t>
+            </a:r>
+          </a:p>
+          <a:p>
+            <a:pPr lvl="1"/>
+            <a:r>
+              <a:rPr lang="en-US" dirty="0"/>
+              <a:t>Mandatory</a:t>
+            </a:r>
+          </a:p>
+          <a:p>
+            <a:r>
+              <a:rPr lang="en-US" b="1" dirty="0"/>
+              <a:t>Operational state</a:t>
+            </a:r>
+          </a:p>
+          <a:p>
+            <a:pPr lvl="1"/>
+            <a:r>
+              <a:rPr lang="en-US" dirty="0"/>
+              <a:t>Type – </a:t>
+            </a:r>
+            <a:r>
+              <a:rPr lang="en-US" dirty="0" err="1"/>
+              <a:t>enum</a:t>
+            </a:r>
+            <a:r>
+              <a:rPr lang="en-US" dirty="0"/>
+              <a:t> {</a:t>
+            </a:r>
+            <a:r>
+              <a:rPr lang="en-US" dirty="0" err="1"/>
+              <a:t>down,up</a:t>
+            </a:r>
+            <a:r>
+              <a:rPr lang="en-US" dirty="0"/>
+              <a:t>}</a:t>
+            </a:r>
+          </a:p>
+          <a:p>
+            <a:pPr lvl="1"/>
+            <a:r>
+              <a:rPr lang="en-US" dirty="0"/>
+              <a:t>Read-only</a:t>
+            </a:r>
+          </a:p>
+          <a:p>
+            <a:r>
+              <a:rPr lang="en-US" b="1" dirty="0"/>
+              <a:t>Message batch size </a:t>
+            </a:r>
+            <a:r>
+              <a:rPr lang="en-US" dirty="0"/>
+              <a:t>– </a:t>
+            </a:r>
+            <a:r>
+              <a:rPr lang="en-US"/>
+              <a:t>max number of </a:t>
+            </a:r>
+            <a:r>
+              <a:rPr lang="en-US" dirty="0"/>
+              <a:t>messages to be compressed in one update message</a:t>
+            </a:r>
+          </a:p>
+          <a:p>
+            <a:pPr lvl="1"/>
+            <a:r>
+              <a:rPr lang="en-US" dirty="0"/>
+              <a:t>Type – unsigned int</a:t>
+            </a:r>
+          </a:p>
+          <a:p>
+            <a:pPr lvl="1"/>
+            <a:r>
+              <a:rPr lang="en-US" dirty="0"/>
+              <a:t>Optional</a:t>
+            </a:r>
+          </a:p>
+          <a:p>
+            <a:r>
+              <a:rPr lang="en-US" b="1" dirty="0"/>
+              <a:t>Message batch timeout </a:t>
+            </a:r>
+            <a:r>
+              <a:rPr lang="en-US" dirty="0"/>
+              <a:t>– the greatest latency allowed before a newly learned connection is sent to a peer if batch is not full</a:t>
+            </a:r>
+          </a:p>
+          <a:p>
+            <a:pPr lvl="1"/>
+            <a:r>
+              <a:rPr lang="en-US" dirty="0"/>
+              <a:t>Type – </a:t>
+            </a:r>
+            <a:r>
+              <a:rPr lang="en-US" dirty="0" err="1"/>
+              <a:t>uSec</a:t>
+            </a:r>
+            <a:endParaRPr lang="en-US" dirty="0"/>
+          </a:p>
+          <a:p>
+            <a:pPr lvl="1"/>
+            <a:r>
+              <a:rPr lang="en-US" dirty="0"/>
+              <a:t>Optional</a:t>
+            </a:r>
+          </a:p>
+        </p:txBody>
+      </p:sp>
+    </p:spTree>
+    <p:extLst>
+      <p:ext uri="{BB962C8B-B14F-4D97-AF65-F5344CB8AC3E}">
+        <p14:creationId xmlns:p14="http://schemas.microsoft.com/office/powerpoint/2010/main" val="2028138837"/>
+      </p:ext>
+    </p:extLst>
+  </p:cSld>
+  <p:clrMapOvr>
+    <a:masterClrMapping/>
+  </p:clrMapOvr>
+</p:sld>
+</file>
+
+<file path=ppt/slides/slide11.xml><?xml version="1.0" encoding="utf-8"?>
+<p:sld xmlns:a="http://schemas.openxmlformats.org/drawingml/2006/main" xmlns:r="http://schemas.openxmlformats.org/officeDocument/2006/relationships" xmlns:p="http://schemas.openxmlformats.org/presentationml/2006/main">
+  <p:cSld>
+    <p:spTree>
+      <p:nvGrpSpPr>
+        <p:cNvPr id="1" name=""/>
+        <p:cNvGrpSpPr/>
+        <p:nvPr/>
+      </p:nvGrpSpPr>
+      <p:grpSpPr>
+        <a:xfrm>
+          <a:off x="0" y="0"/>
+          <a:ext cx="0" cy="0"/>
+          <a:chOff x="0" y="0"/>
+          <a:chExt cx="0" cy="0"/>
+        </a:xfrm>
+      </p:grpSpPr>
+      <p:sp>
+        <p:nvSpPr>
+          <p:cNvPr id="2" name="Title 1">
+            <a:extLst>
+              <a:ext uri="{FF2B5EF4-FFF2-40B4-BE49-F238E27FC236}">
+                <a16:creationId xmlns:a16="http://schemas.microsoft.com/office/drawing/2014/main" id="{3A355324-5462-47D7-B18D-7CDEFAB49546}"/>
+              </a:ext>
+            </a:extLst>
+          </p:cNvPr>
+          <p:cNvSpPr>
+            <a:spLocks noGrp="1"/>
+          </p:cNvSpPr>
+          <p:nvPr>
+            <p:ph type="title"/>
+          </p:nvPr>
+        </p:nvSpPr>
+        <p:spPr/>
+        <p:txBody>
+          <a:bodyPr/>
+          <a:lstStyle/>
+          <a:p>
+            <a:r>
+              <a:rPr lang="en-US" dirty="0"/>
+              <a:t>Session operational state notification</a:t>
+            </a:r>
+          </a:p>
+        </p:txBody>
+      </p:sp>
+      <p:sp>
+        <p:nvSpPr>
+          <p:cNvPr id="3" name="Content Placeholder 2">
+            <a:extLst>
+              <a:ext uri="{FF2B5EF4-FFF2-40B4-BE49-F238E27FC236}">
+                <a16:creationId xmlns:a16="http://schemas.microsoft.com/office/drawing/2014/main" id="{DB5BE222-3CC1-4310-9B10-3C638F1969EA}"/>
+              </a:ext>
+            </a:extLst>
+          </p:cNvPr>
+          <p:cNvSpPr>
+            <a:spLocks noGrp="1"/>
+          </p:cNvSpPr>
+          <p:nvPr>
+            <p:ph idx="1"/>
+          </p:nvPr>
+        </p:nvSpPr>
+        <p:spPr>
+          <a:xfrm>
+            <a:off x="838200" y="1275127"/>
+            <a:ext cx="10515600" cy="4901836"/>
+          </a:xfrm>
+        </p:spPr>
+        <p:txBody>
+          <a:bodyPr>
+            <a:normAutofit/>
+          </a:bodyPr>
+          <a:lstStyle/>
+          <a:p>
+            <a:r>
+              <a:rPr lang="en-US" dirty="0"/>
+              <a:t>Session ID – session SAI ID</a:t>
+            </a:r>
+          </a:p>
+          <a:p>
+            <a:pPr lvl="1"/>
+            <a:r>
+              <a:rPr lang="en-US" dirty="0"/>
+              <a:t>Type – SAI object ID</a:t>
+            </a:r>
+          </a:p>
+          <a:p>
+            <a:r>
+              <a:rPr lang="en-US" dirty="0"/>
+              <a:t>State</a:t>
+            </a:r>
+          </a:p>
+          <a:p>
+            <a:pPr lvl="1"/>
+            <a:r>
+              <a:rPr lang="en-US" dirty="0"/>
+              <a:t>Type - Enum {up, down}</a:t>
+            </a:r>
+          </a:p>
+        </p:txBody>
+      </p:sp>
+    </p:spTree>
+    <p:extLst>
+      <p:ext uri="{BB962C8B-B14F-4D97-AF65-F5344CB8AC3E}">
+        <p14:creationId xmlns:p14="http://schemas.microsoft.com/office/powerpoint/2010/main" val="3881826049"/>
+      </p:ext>
+    </p:extLst>
+  </p:cSld>
+  <p:clrMapOvr>
+    <a:masterClrMapping/>
+  </p:clrMapOvr>
+</p:sld>
+</file>
+
+<file path=ppt/slides/slide12.xml><?xml version="1.0" encoding="utf-8"?>
+<p:sld xmlns:a="http://schemas.openxmlformats.org/drawingml/2006/main" xmlns:r="http://schemas.openxmlformats.org/officeDocument/2006/relationships" xmlns:p="http://schemas.openxmlformats.org/presentationml/2006/main">
+  <p:cSld>
+    <p:spTree>
+      <p:nvGrpSpPr>
+        <p:cNvPr id="1" name=""/>
+        <p:cNvGrpSpPr/>
+        <p:nvPr/>
+      </p:nvGrpSpPr>
+      <p:grpSpPr>
+        <a:xfrm>
+          <a:off x="0" y="0"/>
+          <a:ext cx="0" cy="0"/>
+          <a:chOff x="0" y="0"/>
+          <a:chExt cx="0" cy="0"/>
+        </a:xfrm>
+      </p:grpSpPr>
+      <p:sp>
+        <p:nvSpPr>
+          <p:cNvPr id="2" name="Title 1">
+            <a:extLst>
+              <a:ext uri="{FF2B5EF4-FFF2-40B4-BE49-F238E27FC236}">
+                <a16:creationId xmlns:a16="http://schemas.microsoft.com/office/drawing/2014/main" id="{3A355324-5462-47D7-B18D-7CDEFAB49546}"/>
+              </a:ext>
+            </a:extLst>
+          </p:cNvPr>
+          <p:cNvSpPr>
+            <a:spLocks noGrp="1"/>
+          </p:cNvSpPr>
+          <p:nvPr>
+            <p:ph type="title"/>
+          </p:nvPr>
+        </p:nvSpPr>
+        <p:spPr/>
+        <p:txBody>
+          <a:bodyPr/>
+          <a:lstStyle/>
+          <a:p>
+            <a:r>
+              <a:rPr lang="en-US" dirty="0"/>
+              <a:t>Statistics</a:t>
+            </a:r>
+          </a:p>
+        </p:txBody>
+      </p:sp>
+      <p:sp>
+        <p:nvSpPr>
+          <p:cNvPr id="3" name="Content Placeholder 2">
+            <a:extLst>
+              <a:ext uri="{FF2B5EF4-FFF2-40B4-BE49-F238E27FC236}">
+                <a16:creationId xmlns:a16="http://schemas.microsoft.com/office/drawing/2014/main" id="{DB5BE222-3CC1-4310-9B10-3C638F1969EA}"/>
+              </a:ext>
+            </a:extLst>
+          </p:cNvPr>
+          <p:cNvSpPr>
+            <a:spLocks noGrp="1"/>
+          </p:cNvSpPr>
+          <p:nvPr>
+            <p:ph idx="1"/>
+          </p:nvPr>
+        </p:nvSpPr>
+        <p:spPr>
+          <a:xfrm>
+            <a:off x="838200" y="1275127"/>
+            <a:ext cx="10515600" cy="4901836"/>
+          </a:xfrm>
+        </p:spPr>
+        <p:txBody>
+          <a:bodyPr>
+            <a:normAutofit/>
+          </a:bodyPr>
+          <a:lstStyle/>
+          <a:p>
+            <a:r>
+              <a:rPr lang="en-US" dirty="0"/>
+              <a:t>Tx packets/bytes</a:t>
+            </a:r>
+          </a:p>
+          <a:p>
+            <a:r>
+              <a:rPr lang="en-US" dirty="0"/>
+              <a:t>Rx packets/bytes</a:t>
+            </a:r>
+          </a:p>
+          <a:p>
+            <a:r>
+              <a:rPr lang="en-US" dirty="0"/>
+              <a:t>Rx packets not received</a:t>
+            </a:r>
+          </a:p>
+          <a:p>
+            <a:r>
+              <a:rPr lang="en-US" dirty="0"/>
+              <a:t># of flows currently synced</a:t>
+            </a:r>
+          </a:p>
+        </p:txBody>
+      </p:sp>
+    </p:spTree>
+    <p:extLst>
+      <p:ext uri="{BB962C8B-B14F-4D97-AF65-F5344CB8AC3E}">
+        <p14:creationId xmlns:p14="http://schemas.microsoft.com/office/powerpoint/2010/main" val="1244788736"/>
+      </p:ext>
+    </p:extLst>
+  </p:cSld>
+  <p:clrMapOvr>
+    <a:masterClrMapping/>
+  </p:clrMapOvr>
+</p:sld>
+</file>
+
 <file path=ppt/slides/slide2.xml><?xml version="1.0" encoding="utf-8"?>
 <p:sld xmlns:a="http://schemas.openxmlformats.org/drawingml/2006/main" xmlns:r="http://schemas.openxmlformats.org/officeDocument/2006/relationships" xmlns:p="http://schemas.openxmlformats.org/presentationml/2006/main">
   <p:cSld>
@@ -4195,7 +4945,7 @@
           <a:p>
             <a:r>
               <a:rPr lang="en-US" dirty="0"/>
-              <a:t>E2E Flows (To be reviewed next session)</a:t>
+              <a:t>HA Requirements (short version)</a:t>
             </a:r>
           </a:p>
         </p:txBody>
@@ -4225,44 +4975,29 @@
           <a:p>
             <a:r>
               <a:rPr lang="en-US" dirty="0"/>
-              <a:t>State machine</a:t>
-            </a:r>
-          </a:p>
-          <a:p>
-            <a:r>
-              <a:rPr lang="en-US" dirty="0"/>
-              <a:t>Session establishment</a:t>
-            </a:r>
-          </a:p>
-          <a:p>
-            <a:r>
-              <a:rPr lang="en-US" dirty="0"/>
-              <a:t>Session teardown</a:t>
-            </a:r>
-          </a:p>
-          <a:p>
-            <a:r>
-              <a:rPr lang="en-US" dirty="0"/>
-              <a:t>Flow sync</a:t>
-            </a:r>
-          </a:p>
-          <a:p>
-            <a:r>
-              <a:rPr lang="en-US" dirty="0"/>
-              <a:t>Planned failover</a:t>
-            </a:r>
-          </a:p>
-          <a:p>
-            <a:r>
-              <a:rPr lang="en-US" dirty="0"/>
-              <a:t>Unplanned failover</a:t>
-            </a:r>
-          </a:p>
-          <a:p>
-            <a:r>
-              <a:rPr lang="en-US" dirty="0"/>
-              <a:t>More?</a:t>
-            </a:r>
+              <a:t>Minimize the possibility of established connections breaking after a failover. [P0]</a:t>
+            </a:r>
+          </a:p>
+          <a:p>
+            <a:r>
+              <a:rPr lang="en-US" dirty="0"/>
+              <a:t>Minimize link bandwidth HA state synchronization. [P0]</a:t>
+            </a:r>
+          </a:p>
+          <a:p>
+            <a:r>
+              <a:rPr lang="en-US" dirty="0"/>
+              <a:t>Common control plane API. [P0]</a:t>
+            </a:r>
+          </a:p>
+          <a:p>
+            <a:r>
+              <a:rPr lang="en-US" dirty="0"/>
+              <a:t>Interoperability between different vendors. [P1]</a:t>
+            </a:r>
+          </a:p>
+          <a:p>
+            <a:endParaRPr lang="en-US" dirty="0"/>
           </a:p>
         </p:txBody>
       </p:sp>
@@ -4270,6 +5005,194 @@
     <p:extLst>
       <p:ext uri="{BB962C8B-B14F-4D97-AF65-F5344CB8AC3E}">
         <p14:creationId xmlns:p14="http://schemas.microsoft.com/office/powerpoint/2010/main" val="1121103202"/>
+      </p:ext>
+    </p:extLst>
+  </p:cSld>
+  <p:clrMapOvr>
+    <a:masterClrMapping/>
+  </p:clrMapOvr>
+</p:sld>
+</file>
+
+<file path=ppt/slides/slide8.xml><?xml version="1.0" encoding="utf-8"?>
+<p:sld xmlns:a="http://schemas.openxmlformats.org/drawingml/2006/main" xmlns:r="http://schemas.openxmlformats.org/officeDocument/2006/relationships" xmlns:p="http://schemas.openxmlformats.org/presentationml/2006/main">
+  <p:cSld>
+    <p:spTree>
+      <p:nvGrpSpPr>
+        <p:cNvPr id="1" name=""/>
+        <p:cNvGrpSpPr/>
+        <p:nvPr/>
+      </p:nvGrpSpPr>
+      <p:grpSpPr>
+        <a:xfrm>
+          <a:off x="0" y="0"/>
+          <a:ext cx="0" cy="0"/>
+          <a:chOff x="0" y="0"/>
+          <a:chExt cx="0" cy="0"/>
+        </a:xfrm>
+      </p:grpSpPr>
+      <p:sp>
+        <p:nvSpPr>
+          <p:cNvPr id="2" name="Title 1">
+            <a:extLst>
+              <a:ext uri="{FF2B5EF4-FFF2-40B4-BE49-F238E27FC236}">
+                <a16:creationId xmlns:a16="http://schemas.microsoft.com/office/drawing/2014/main" id="{24FD8DA7-B1F2-4E56-BA1C-96694031985C}"/>
+              </a:ext>
+            </a:extLst>
+          </p:cNvPr>
+          <p:cNvSpPr>
+            <a:spLocks noGrp="1"/>
+          </p:cNvSpPr>
+          <p:nvPr>
+            <p:ph type="ctrTitle"/>
+          </p:nvPr>
+        </p:nvSpPr>
+        <p:spPr/>
+        <p:txBody>
+          <a:bodyPr/>
+          <a:lstStyle/>
+          <a:p>
+            <a:r>
+              <a:rPr lang="en-US" dirty="0"/>
+              <a:t>Control Plane API</a:t>
+            </a:r>
+          </a:p>
+        </p:txBody>
+      </p:sp>
+      <p:sp>
+        <p:nvSpPr>
+          <p:cNvPr id="3" name="Subtitle 2">
+            <a:extLst>
+              <a:ext uri="{FF2B5EF4-FFF2-40B4-BE49-F238E27FC236}">
+                <a16:creationId xmlns:a16="http://schemas.microsoft.com/office/drawing/2014/main" id="{E3B55584-1BCE-4E54-B22D-13EBC5C906A7}"/>
+              </a:ext>
+            </a:extLst>
+          </p:cNvPr>
+          <p:cNvSpPr>
+            <a:spLocks noGrp="1"/>
+          </p:cNvSpPr>
+          <p:nvPr>
+            <p:ph type="subTitle" idx="1"/>
+          </p:nvPr>
+        </p:nvSpPr>
+        <p:spPr/>
+        <p:txBody>
+          <a:bodyPr/>
+          <a:lstStyle/>
+          <a:p>
+            <a:endParaRPr lang="en-US" dirty="0"/>
+          </a:p>
+        </p:txBody>
+      </p:sp>
+    </p:spTree>
+    <p:extLst>
+      <p:ext uri="{BB962C8B-B14F-4D97-AF65-F5344CB8AC3E}">
+        <p14:creationId xmlns:p14="http://schemas.microsoft.com/office/powerpoint/2010/main" val="3155349794"/>
+      </p:ext>
+    </p:extLst>
+  </p:cSld>
+  <p:clrMapOvr>
+    <a:masterClrMapping/>
+  </p:clrMapOvr>
+</p:sld>
+</file>
+
+<file path=ppt/slides/slide9.xml><?xml version="1.0" encoding="utf-8"?>
+<p:sld xmlns:a="http://schemas.openxmlformats.org/drawingml/2006/main" xmlns:r="http://schemas.openxmlformats.org/officeDocument/2006/relationships" xmlns:p="http://schemas.openxmlformats.org/presentationml/2006/main">
+  <p:cSld>
+    <p:spTree>
+      <p:nvGrpSpPr>
+        <p:cNvPr id="1" name=""/>
+        <p:cNvGrpSpPr/>
+        <p:nvPr/>
+      </p:nvGrpSpPr>
+      <p:grpSpPr>
+        <a:xfrm>
+          <a:off x="0" y="0"/>
+          <a:ext cx="0" cy="0"/>
+          <a:chOff x="0" y="0"/>
+          <a:chExt cx="0" cy="0"/>
+        </a:xfrm>
+      </p:grpSpPr>
+      <p:sp>
+        <p:nvSpPr>
+          <p:cNvPr id="2" name="Title 1">
+            <a:extLst>
+              <a:ext uri="{FF2B5EF4-FFF2-40B4-BE49-F238E27FC236}">
+                <a16:creationId xmlns:a16="http://schemas.microsoft.com/office/drawing/2014/main" id="{3A355324-5462-47D7-B18D-7CDEFAB49546}"/>
+              </a:ext>
+            </a:extLst>
+          </p:cNvPr>
+          <p:cNvSpPr>
+            <a:spLocks noGrp="1"/>
+          </p:cNvSpPr>
+          <p:nvPr>
+            <p:ph type="title"/>
+          </p:nvPr>
+        </p:nvSpPr>
+        <p:spPr/>
+        <p:txBody>
+          <a:bodyPr/>
+          <a:lstStyle/>
+          <a:p>
+            <a:r>
+              <a:rPr lang="en-US" dirty="0"/>
+              <a:t>Topology constraints and assumptions</a:t>
+            </a:r>
+          </a:p>
+        </p:txBody>
+      </p:sp>
+      <p:sp>
+        <p:nvSpPr>
+          <p:cNvPr id="3" name="Content Placeholder 2">
+            <a:extLst>
+              <a:ext uri="{FF2B5EF4-FFF2-40B4-BE49-F238E27FC236}">
+                <a16:creationId xmlns:a16="http://schemas.microsoft.com/office/drawing/2014/main" id="{DB5BE222-3CC1-4310-9B10-3C638F1969EA}"/>
+              </a:ext>
+            </a:extLst>
+          </p:cNvPr>
+          <p:cNvSpPr>
+            <a:spLocks noGrp="1"/>
+          </p:cNvSpPr>
+          <p:nvPr>
+            <p:ph idx="1"/>
+          </p:nvPr>
+        </p:nvSpPr>
+        <p:spPr>
+          <a:xfrm>
+            <a:off x="838200" y="1375793"/>
+            <a:ext cx="10515600" cy="4801169"/>
+          </a:xfrm>
+        </p:spPr>
+        <p:txBody>
+          <a:bodyPr>
+            <a:normAutofit/>
+          </a:bodyPr>
+          <a:lstStyle/>
+          <a:p>
+            <a:r>
+              <a:rPr lang="en-US" dirty="0"/>
+              <a:t>Peers share the same VIP</a:t>
+            </a:r>
+          </a:p>
+          <a:p>
+            <a:r>
+              <a:rPr lang="en-US" dirty="0"/>
+              <a:t>Backup peer advertises a longer path for the VIP</a:t>
+            </a:r>
+          </a:p>
+          <a:p>
+            <a:r>
+              <a:rPr lang="en-US" dirty="0"/>
+              <a:t>Some ENIs are active on one of the peers, and some are backup</a:t>
+            </a:r>
+          </a:p>
+        </p:txBody>
+      </p:sp>
+    </p:spTree>
+    <p:extLst>
+      <p:ext uri="{BB962C8B-B14F-4D97-AF65-F5344CB8AC3E}">
+        <p14:creationId xmlns:p14="http://schemas.microsoft.com/office/powerpoint/2010/main" val="3125428323"/>
       </p:ext>
     </p:extLst>
   </p:cSld>
